--- a/JavaScript/JavaScript.pptx
+++ b/JavaScript/JavaScript.pptx
@@ -1,6 +1,6 @@
 
 <file path=ppt/presentation.xml><?xml version="1.0" encoding="utf-8"?>
-<p:presentation xmlns:a="http://schemas.openxmlformats.org/drawingml/2006/main" xmlns:r="http://schemas.openxmlformats.org/officeDocument/2006/relationships" xmlns:p="http://schemas.openxmlformats.org/presentationml/2006/main" autoCompressPictures="0">
+<p:presentation xmlns:a="http://schemas.openxmlformats.org/drawingml/2006/main" xmlns:r="http://schemas.openxmlformats.org/officeDocument/2006/relationships" xmlns:p="http://schemas.openxmlformats.org/presentationml/2006/main" saveSubsetFonts="1" autoCompressPictures="0">
   <p:sldMasterIdLst>
     <p:sldMasterId id="2147483648" r:id="rId1"/>
   </p:sldMasterIdLst>
@@ -217,7 +217,7 @@
           <a:p>
             <a:fld id="{C511493A-C69F-4F61-ADE0-9376C934F6A4}" type="datetimeFigureOut">
               <a:rPr lang="fr-FR" smtClean="0"/>
-              <a:t>10/01/2016</a:t>
+              <a:t>06/03/2017</a:t>
             </a:fld>
             <a:endParaRPr lang="fr-FR"/>
           </a:p>
@@ -376,7 +376,7 @@
           <a:p>
             <a:fld id="{1548365A-234F-465B-94FE-707A269181A0}" type="slidenum">
               <a:rPr lang="fr-FR" smtClean="0"/>
-              <a:t>‹N°›</a:t>
+              <a:t>‹#›</a:t>
             </a:fld>
             <a:endParaRPr lang="fr-FR"/>
           </a:p>
@@ -668,7 +668,7 @@
           <a:p>
             <a:fld id="{192C7B03-9E4E-4569-B9C8-7A6C0DCE5EA6}" type="datetime1">
               <a:rPr lang="en-US" smtClean="0"/>
-              <a:t>1/10/2016</a:t>
+              <a:t>3/6/17</a:t>
             </a:fld>
             <a:endParaRPr lang="en-US" dirty="0"/>
           </a:p>
@@ -710,7 +710,7 @@
           <a:p>
             <a:fld id="{D57F1E4F-1CFF-5643-939E-02111984F565}" type="slidenum">
               <a:rPr lang="en-US" dirty="0"/>
-              <a:t>‹N°›</a:t>
+              <a:t>‹#›</a:t>
             </a:fld>
             <a:endParaRPr lang="en-US" dirty="0"/>
           </a:p>
@@ -938,7 +938,7 @@
           <a:p>
             <a:fld id="{67F8678B-262B-4416-98B2-BDEB9A00166F}" type="datetime1">
               <a:rPr lang="en-US" smtClean="0"/>
-              <a:t>1/10/2016</a:t>
+              <a:t>3/6/17</a:t>
             </a:fld>
             <a:endParaRPr lang="en-US" dirty="0"/>
           </a:p>
@@ -980,7 +980,7 @@
           <a:p>
             <a:fld id="{D57F1E4F-1CFF-5643-939E-02111984F565}" type="slidenum">
               <a:rPr lang="en-US" dirty="0"/>
-              <a:t>‹N°›</a:t>
+              <a:t>‹#›</a:t>
             </a:fld>
             <a:endParaRPr lang="en-US" dirty="0"/>
           </a:p>
@@ -1127,7 +1127,7 @@
           <a:p>
             <a:fld id="{C5005A66-759D-4180-B825-192B90466744}" type="datetime1">
               <a:rPr lang="en-US" smtClean="0"/>
-              <a:t>1/10/2016</a:t>
+              <a:t>3/6/17</a:t>
             </a:fld>
             <a:endParaRPr lang="en-US" dirty="0"/>
           </a:p>
@@ -1169,7 +1169,7 @@
           <a:p>
             <a:fld id="{D57F1E4F-1CFF-5643-939E-02111984F565}" type="slidenum">
               <a:rPr lang="en-US" dirty="0"/>
-              <a:t>‹N°›</a:t>
+              <a:t>‹#›</a:t>
             </a:fld>
             <a:endParaRPr lang="en-US" dirty="0"/>
           </a:p>
@@ -1390,7 +1390,7 @@
           <a:p>
             <a:fld id="{1DB9E40B-F21E-4AB4-A106-2B284A71F909}" type="datetime1">
               <a:rPr lang="en-US" smtClean="0"/>
-              <a:t>1/10/2016</a:t>
+              <a:t>3/6/17</a:t>
             </a:fld>
             <a:endParaRPr lang="en-US" dirty="0"/>
           </a:p>
@@ -1432,7 +1432,7 @@
           <a:p>
             <a:fld id="{D57F1E4F-1CFF-5643-939E-02111984F565}" type="slidenum">
               <a:rPr lang="en-US" dirty="0"/>
-              <a:t>‹N°›</a:t>
+              <a:t>‹#›</a:t>
             </a:fld>
             <a:endParaRPr lang="en-US" dirty="0"/>
           </a:p>
@@ -1717,7 +1717,7 @@
           <a:p>
             <a:fld id="{A917C897-97D6-4B3C-B916-5286B4DB4C97}" type="datetime1">
               <a:rPr lang="en-US" smtClean="0"/>
-              <a:t>1/10/2016</a:t>
+              <a:t>3/6/17</a:t>
             </a:fld>
             <a:endParaRPr lang="en-US" dirty="0"/>
           </a:p>
@@ -1759,7 +1759,7 @@
           <a:p>
             <a:fld id="{D57F1E4F-1CFF-5643-939E-02111984F565}" type="slidenum">
               <a:rPr lang="en-US" dirty="0"/>
-              <a:t>‹N°›</a:t>
+              <a:t>‹#›</a:t>
             </a:fld>
             <a:endParaRPr lang="en-US" dirty="0"/>
           </a:p>
@@ -2322,7 +2322,7 @@
           <a:p>
             <a:fld id="{83B60FF7-FBD6-4B70-B434-C60D61206F64}" type="datetime1">
               <a:rPr lang="en-US" smtClean="0"/>
-              <a:t>1/10/2016</a:t>
+              <a:t>3/6/17</a:t>
             </a:fld>
             <a:endParaRPr lang="en-US" dirty="0"/>
           </a:p>
@@ -2364,7 +2364,7 @@
           <a:p>
             <a:fld id="{D57F1E4F-1CFF-5643-939E-02111984F565}" type="slidenum">
               <a:rPr lang="en-US" dirty="0"/>
-              <a:t>‹N°›</a:t>
+              <a:t>‹#›</a:t>
             </a:fld>
             <a:endParaRPr lang="en-US" dirty="0"/>
           </a:p>
@@ -3164,7 +3164,7 @@
           <a:p>
             <a:fld id="{D6B4CCF7-A7A4-4868-9323-1FD7FD23869F}" type="datetime1">
               <a:rPr lang="en-US" smtClean="0"/>
-              <a:t>1/10/2016</a:t>
+              <a:t>3/6/17</a:t>
             </a:fld>
             <a:endParaRPr lang="en-US" dirty="0"/>
           </a:p>
@@ -3206,7 +3206,7 @@
           <a:p>
             <a:fld id="{D57F1E4F-1CFF-5643-939E-02111984F565}" type="slidenum">
               <a:rPr lang="en-US" dirty="0"/>
-              <a:t>‹N°›</a:t>
+              <a:t>‹#›</a:t>
             </a:fld>
             <a:endParaRPr lang="en-US" dirty="0"/>
           </a:p>
@@ -3329,7 +3329,7 @@
           <a:p>
             <a:fld id="{412F8E7A-DDF3-45C8-A6E3-F5030C2ADB6F}" type="datetime1">
               <a:rPr lang="en-US" smtClean="0"/>
-              <a:t>1/10/2016</a:t>
+              <a:t>3/6/17</a:t>
             </a:fld>
             <a:endParaRPr lang="en-US" dirty="0"/>
           </a:p>
@@ -3371,7 +3371,7 @@
           <a:p>
             <a:fld id="{D57F1E4F-1CFF-5643-939E-02111984F565}" type="slidenum">
               <a:rPr lang="en-US" dirty="0"/>
-              <a:t>‹N°›</a:t>
+              <a:t>‹#›</a:t>
             </a:fld>
             <a:endParaRPr lang="en-US" dirty="0"/>
           </a:p>
@@ -3504,7 +3504,7 @@
           <a:p>
             <a:fld id="{0F1C1B24-318E-4FE3-B8C3-2262B70090EA}" type="datetime1">
               <a:rPr lang="en-US" smtClean="0"/>
-              <a:t>1/10/2016</a:t>
+              <a:t>3/6/17</a:t>
             </a:fld>
             <a:endParaRPr lang="en-US" dirty="0"/>
           </a:p>
@@ -3546,7 +3546,7 @@
           <a:p>
             <a:fld id="{D57F1E4F-1CFF-5643-939E-02111984F565}" type="slidenum">
               <a:rPr lang="en-US" dirty="0"/>
-              <a:t>‹N°›</a:t>
+              <a:t>‹#›</a:t>
             </a:fld>
             <a:endParaRPr lang="en-US" dirty="0"/>
           </a:p>
@@ -3669,7 +3669,7 @@
           <a:p>
             <a:fld id="{26388FD6-7D36-47FB-BC9C-0935BA7CFAF1}" type="datetime1">
               <a:rPr lang="en-US" smtClean="0"/>
-              <a:t>1/10/2016</a:t>
+              <a:t>3/6/17</a:t>
             </a:fld>
             <a:endParaRPr lang="en-US" dirty="0"/>
           </a:p>
@@ -3711,7 +3711,7 @@
           <a:p>
             <a:fld id="{D57F1E4F-1CFF-5643-939E-02111984F565}" type="slidenum">
               <a:rPr lang="en-US" dirty="0"/>
-              <a:t>‹N°›</a:t>
+              <a:t>‹#›</a:t>
             </a:fld>
             <a:endParaRPr lang="en-US" dirty="0"/>
           </a:p>
@@ -3908,7 +3908,7 @@
           <a:p>
             <a:fld id="{98F303F5-2205-45C4-8721-8E7D043C3690}" type="datetime1">
               <a:rPr lang="en-US" smtClean="0"/>
-              <a:t>1/10/2016</a:t>
+              <a:t>3/6/17</a:t>
             </a:fld>
             <a:endParaRPr lang="en-US" dirty="0"/>
           </a:p>
@@ -3950,7 +3950,7 @@
           <a:p>
             <a:fld id="{D57F1E4F-1CFF-5643-939E-02111984F565}" type="slidenum">
               <a:rPr lang="en-US" dirty="0"/>
-              <a:t>‹N°›</a:t>
+              <a:t>‹#›</a:t>
             </a:fld>
             <a:endParaRPr lang="en-US" dirty="0"/>
           </a:p>
@@ -4195,7 +4195,7 @@
           <a:p>
             <a:fld id="{200055DC-931A-46B5-9191-3595C193C6B6}" type="datetime1">
               <a:rPr lang="en-US" smtClean="0"/>
-              <a:t>1/10/2016</a:t>
+              <a:t>3/6/17</a:t>
             </a:fld>
             <a:endParaRPr lang="en-US" dirty="0"/>
           </a:p>
@@ -4237,7 +4237,7 @@
           <a:p>
             <a:fld id="{D57F1E4F-1CFF-5643-939E-02111984F565}" type="slidenum">
               <a:rPr lang="en-US" dirty="0"/>
-              <a:t>‹N°›</a:t>
+              <a:t>‹#›</a:t>
             </a:fld>
             <a:endParaRPr lang="en-US" dirty="0"/>
           </a:p>
@@ -4628,7 +4628,7 @@
           <a:p>
             <a:fld id="{175C2304-40D1-41A4-870C-E57B4EC65A0F}" type="datetime1">
               <a:rPr lang="en-US" smtClean="0"/>
-              <a:t>1/10/2016</a:t>
+              <a:t>3/6/17</a:t>
             </a:fld>
             <a:endParaRPr lang="en-US" dirty="0"/>
           </a:p>
@@ -4670,7 +4670,7 @@
           <a:p>
             <a:fld id="{D57F1E4F-1CFF-5643-939E-02111984F565}" type="slidenum">
               <a:rPr lang="en-US" dirty="0"/>
-              <a:t>‹N°›</a:t>
+              <a:t>‹#›</a:t>
             </a:fld>
             <a:endParaRPr lang="en-US" dirty="0"/>
           </a:p>
@@ -4741,7 +4741,7 @@
           <a:p>
             <a:fld id="{9EEF7235-7F38-4004-8FC3-F2FDA6AC6684}" type="datetime1">
               <a:rPr lang="en-US" smtClean="0"/>
-              <a:t>1/10/2016</a:t>
+              <a:t>3/6/17</a:t>
             </a:fld>
             <a:endParaRPr lang="en-US" dirty="0"/>
           </a:p>
@@ -4783,7 +4783,7 @@
           <a:p>
             <a:fld id="{D57F1E4F-1CFF-5643-939E-02111984F565}" type="slidenum">
               <a:rPr lang="en-US" dirty="0"/>
-              <a:t>‹N°›</a:t>
+              <a:t>‹#›</a:t>
             </a:fld>
             <a:endParaRPr lang="en-US" dirty="0"/>
           </a:p>
@@ -4831,7 +4831,7 @@
           <a:p>
             <a:fld id="{9012BC4A-39CA-4FF3-8B01-1D7F88EFAA28}" type="datetime1">
               <a:rPr lang="en-US" smtClean="0"/>
-              <a:t>1/10/2016</a:t>
+              <a:t>3/6/17</a:t>
             </a:fld>
             <a:endParaRPr lang="en-US" dirty="0"/>
           </a:p>
@@ -4873,7 +4873,7 @@
           <a:p>
             <a:fld id="{D57F1E4F-1CFF-5643-939E-02111984F565}" type="slidenum">
               <a:rPr lang="en-US" dirty="0"/>
-              <a:t>‹N°›</a:t>
+              <a:t>‹#›</a:t>
             </a:fld>
             <a:endParaRPr lang="en-US" dirty="0"/>
           </a:p>
@@ -5105,7 +5105,7 @@
           <a:p>
             <a:fld id="{79A48400-6489-49AA-858B-2E26DA4A1A4B}" type="datetime1">
               <a:rPr lang="en-US" smtClean="0"/>
-              <a:t>1/10/2016</a:t>
+              <a:t>3/6/17</a:t>
             </a:fld>
             <a:endParaRPr lang="en-US" dirty="0"/>
           </a:p>
@@ -5147,7 +5147,7 @@
           <a:p>
             <a:fld id="{D57F1E4F-1CFF-5643-939E-02111984F565}" type="slidenum">
               <a:rPr lang="en-US" dirty="0"/>
-              <a:t>‹N°›</a:t>
+              <a:t>‹#›</a:t>
             </a:fld>
             <a:endParaRPr lang="en-US" dirty="0"/>
           </a:p>
@@ -5375,7 +5375,7 @@
           <a:p>
             <a:fld id="{D87CD576-8593-49FD-B447-F8C91232F085}" type="datetime1">
               <a:rPr lang="en-US" smtClean="0"/>
-              <a:t>1/10/2016</a:t>
+              <a:t>3/6/17</a:t>
             </a:fld>
             <a:endParaRPr lang="en-US" dirty="0"/>
           </a:p>
@@ -5417,7 +5417,7 @@
           <a:p>
             <a:fld id="{D57F1E4F-1CFF-5643-939E-02111984F565}" type="slidenum">
               <a:rPr lang="en-US" dirty="0"/>
-              <a:t>‹N°›</a:t>
+              <a:t>‹#›</a:t>
             </a:fld>
             <a:endParaRPr lang="en-US" dirty="0"/>
           </a:p>
@@ -5799,7 +5799,7 @@
           <a:p>
             <a:fld id="{8D82EC75-BCE8-485B-9CBA-052BC257417F}" type="datetime1">
               <a:rPr lang="en-US" smtClean="0"/>
-              <a:t>1/10/2016</a:t>
+              <a:t>3/6/17</a:t>
             </a:fld>
             <a:endParaRPr lang="en-US" dirty="0"/>
           </a:p>
@@ -5878,7 +5878,7 @@
           <a:p>
             <a:fld id="{D57F1E4F-1CFF-5643-939E-02111984F565}" type="slidenum">
               <a:rPr lang="en-US" dirty="0"/>
-              <a:t>‹N°›</a:t>
+              <a:t>‹#›</a:t>
             </a:fld>
             <a:endParaRPr lang="en-US" dirty="0"/>
           </a:p>
@@ -6611,11 +6611,7 @@
           <a:p>
             <a:r>
               <a:rPr lang="fr-FR" dirty="0" smtClean="0"/>
-              <a:t>Pour afficher un élément il faudra passer par une boucle ou par un acc</a:t>
-            </a:r>
-            <a:r>
-              <a:rPr lang="fr-FR" dirty="0" smtClean="0"/>
-              <a:t>ès direct </a:t>
+              <a:t>Pour afficher un élément il faudra passer par une boucle ou par un accès direct </a:t>
             </a:r>
             <a:r>
               <a:rPr lang="fr-FR" i="1" dirty="0" smtClean="0"/>
@@ -7689,7 +7685,6 @@
               <a:rPr lang="fr-FR" dirty="0" smtClean="0"/>
               <a:t>()</a:t>
             </a:r>
-            <a:endParaRPr lang="fr-FR" dirty="0" smtClean="0"/>
           </a:p>
           <a:p>
             <a:r>
@@ -8783,8 +8778,33 @@
           <a:p>
             <a:r>
               <a:rPr lang="fr-FR" dirty="0" smtClean="0"/>
-              <a:t>Actuellement sur ECMAScript 6 (depuis juin 2015)</a:t>
-            </a:r>
+              <a:t>Actuellement sur </a:t>
+            </a:r>
+            <a:r>
+              <a:rPr lang="fr-FR" dirty="0" err="1" smtClean="0"/>
+              <a:t>ECMAScript</a:t>
+            </a:r>
+            <a:r>
+              <a:rPr lang="fr-FR" smtClean="0"/>
+              <a:t> </a:t>
+            </a:r>
+            <a:r>
+              <a:rPr lang="fr-FR" smtClean="0"/>
+              <a:t>7 </a:t>
+            </a:r>
+            <a:r>
+              <a:rPr lang="fr-FR" dirty="0" smtClean="0"/>
+              <a:t>(depuis </a:t>
+            </a:r>
+            <a:r>
+              <a:rPr lang="fr-FR" smtClean="0"/>
+              <a:t>juin </a:t>
+            </a:r>
+            <a:r>
+              <a:rPr lang="fr-FR" smtClean="0"/>
+              <a:t>2016)</a:t>
+            </a:r>
+            <a:endParaRPr lang="fr-FR" dirty="0" smtClean="0"/>
           </a:p>
           <a:p>
             <a:endParaRPr lang="fr-FR" dirty="0"/>
